--- a/ppt/Oracle DB Project.pptx
+++ b/ppt/Oracle DB Project.pptx
@@ -14,6 +14,7 @@
     <p:sldId id="264" r:id="rId8"/>
     <p:sldId id="259" r:id="rId9"/>
     <p:sldId id="265" r:id="rId10"/>
+    <p:sldId id="266" r:id="rId11"/>
   </p:sldIdLst>
   <p:sldSz cx="12192000" cy="6858000"/>
   <p:notesSz cx="6858000" cy="9144000"/>
@@ -3426,6 +3427,104 @@
 </p:sld>
 </file>
 
+<file path=ppt/slides/slide10.xml><?xml version="1.0" encoding="utf-8"?>
+<p:sld xmlns:a="http://schemas.openxmlformats.org/drawingml/2006/main" xmlns:r="http://schemas.openxmlformats.org/officeDocument/2006/relationships" xmlns:p="http://schemas.openxmlformats.org/presentationml/2006/main">
+  <p:cSld>
+    <p:spTree>
+      <p:nvGrpSpPr>
+        <p:cNvPr id="1" name=""/>
+        <p:cNvGrpSpPr/>
+        <p:nvPr/>
+      </p:nvGrpSpPr>
+      <p:grpSpPr>
+        <a:xfrm>
+          <a:off x="0" y="0"/>
+          <a:ext cx="0" cy="0"/>
+          <a:chOff x="0" y="0"/>
+          <a:chExt cx="0" cy="0"/>
+        </a:xfrm>
+      </p:grpSpPr>
+      <p:sp>
+        <p:nvSpPr>
+          <p:cNvPr id="2" name="Title 1">
+            <a:extLst>
+              <a:ext uri="{FF2B5EF4-FFF2-40B4-BE49-F238E27FC236}">
+                <a16:creationId xmlns:a16="http://schemas.microsoft.com/office/drawing/2014/main" id="{751323AD-9ACD-17A0-0B58-1875F63CA06D}"/>
+              </a:ext>
+            </a:extLst>
+          </p:cNvPr>
+          <p:cNvSpPr>
+            <a:spLocks noGrp="1"/>
+          </p:cNvSpPr>
+          <p:nvPr>
+            <p:ph type="title"/>
+          </p:nvPr>
+        </p:nvSpPr>
+        <p:spPr/>
+        <p:txBody>
+          <a:bodyPr/>
+          <a:lstStyle/>
+          <a:p>
+            <a:r>
+              <a:rPr lang="en-US" dirty="0"/>
+              <a:t>Commit </a:t>
+            </a:r>
+            <a:r>
+              <a:rPr lang="ko-KR" altLang="en-US" dirty="0"/>
+              <a:t>하기</a:t>
+            </a:r>
+            <a:endParaRPr lang="en-KR" dirty="0"/>
+          </a:p>
+        </p:txBody>
+      </p:sp>
+      <p:sp>
+        <p:nvSpPr>
+          <p:cNvPr id="3" name="Content Placeholder 2">
+            <a:extLst>
+              <a:ext uri="{FF2B5EF4-FFF2-40B4-BE49-F238E27FC236}">
+                <a16:creationId xmlns:a16="http://schemas.microsoft.com/office/drawing/2014/main" id="{A379AA18-17E8-19B4-1C80-FF75BA2A215D}"/>
+              </a:ext>
+            </a:extLst>
+          </p:cNvPr>
+          <p:cNvSpPr>
+            <a:spLocks noGrp="1"/>
+          </p:cNvSpPr>
+          <p:nvPr>
+            <p:ph idx="1"/>
+          </p:nvPr>
+        </p:nvSpPr>
+        <p:spPr/>
+        <p:txBody>
+          <a:bodyPr/>
+          <a:lstStyle/>
+          <a:p>
+            <a:pPr marL="0" indent="0">
+              <a:buNone/>
+            </a:pPr>
+            <a:r>
+              <a:rPr lang="en-US" dirty="0"/>
+              <a:t>c</a:t>
+            </a:r>
+            <a:r>
+              <a:rPr lang="en-KR" dirty="0"/>
+              <a:t>ommit;</a:t>
+            </a:r>
+          </a:p>
+        </p:txBody>
+      </p:sp>
+    </p:spTree>
+    <p:extLst>
+      <p:ext uri="{BB962C8B-B14F-4D97-AF65-F5344CB8AC3E}">
+        <p14:creationId xmlns:p14="http://schemas.microsoft.com/office/powerpoint/2010/main" val="2035868484"/>
+      </p:ext>
+    </p:extLst>
+  </p:cSld>
+  <p:clrMapOvr>
+    <a:masterClrMapping/>
+  </p:clrMapOvr>
+</p:sld>
+</file>
+
 <file path=ppt/slides/slide2.xml><?xml version="1.0" encoding="utf-8"?>
 <p:sld xmlns:a="http://schemas.openxmlformats.org/drawingml/2006/main" xmlns:r="http://schemas.openxmlformats.org/officeDocument/2006/relationships" xmlns:p="http://schemas.openxmlformats.org/presentationml/2006/main">
   <p:cSld>
@@ -3546,6 +3645,31 @@
             <a:r>
               <a:rPr lang="en-KR" dirty="0"/>
               <a:t>;</a:t>
+            </a:r>
+          </a:p>
+          <a:p>
+            <a:pPr marL="0" indent="0">
+              <a:buNone/>
+            </a:pPr>
+            <a:r>
+              <a:rPr lang="en-KR" dirty="0"/>
+              <a:t>SQL&gt; </a:t>
+            </a:r>
+            <a:r>
+              <a:rPr lang="en-US" dirty="0"/>
+              <a:t>grant </a:t>
+            </a:r>
+            <a:r>
+              <a:rPr lang="en-US" dirty="0" err="1"/>
+              <a:t>connect,resource,dba</a:t>
+            </a:r>
+            <a:r>
+              <a:rPr lang="en-US" dirty="0"/>
+              <a:t> to </a:t>
+            </a:r>
+            <a:r>
+              <a:rPr lang="en-KR" dirty="0"/>
+              <a:t>c##reservation;</a:t>
             </a:r>
           </a:p>
           <a:p>
@@ -3626,10 +3750,10 @@
       </p:sp>
       <p:pic>
         <p:nvPicPr>
-          <p:cNvPr id="5" name="Content Placeholder 4">
-            <a:extLst>
-              <a:ext uri="{FF2B5EF4-FFF2-40B4-BE49-F238E27FC236}">
-                <a16:creationId xmlns:a16="http://schemas.microsoft.com/office/drawing/2014/main" id="{90AE366F-0F3E-4BB0-A7CA-503792336366}"/>
+          <p:cNvPr id="8" name="Content Placeholder 7" descr="A screenshot of a web browser&#10;&#10;AI-generated content may be incorrect.">
+            <a:extLst>
+              <a:ext uri="{FF2B5EF4-FFF2-40B4-BE49-F238E27FC236}">
+                <a16:creationId xmlns:a16="http://schemas.microsoft.com/office/drawing/2014/main" id="{AA3C7279-C367-43BF-5C80-D8F49EC0417D}"/>
               </a:ext>
             </a:extLst>
           </p:cNvPr>
@@ -3648,8 +3772,8 @@
         </p:blipFill>
         <p:spPr>
           <a:xfrm>
-            <a:off x="838200" y="2043223"/>
-            <a:ext cx="10515600" cy="2771553"/>
+            <a:off x="838200" y="2404113"/>
+            <a:ext cx="10515600" cy="3194361"/>
           </a:xfrm>
         </p:spPr>
       </p:pic>
@@ -3905,10 +4029,10 @@
       </p:grpSpPr>
       <p:pic>
         <p:nvPicPr>
-          <p:cNvPr id="7" name="Content Placeholder 6" descr="A screenshot of a computer&#10;&#10;AI-generated content may be incorrect.">
-            <a:extLst>
-              <a:ext uri="{FF2B5EF4-FFF2-40B4-BE49-F238E27FC236}">
-                <a16:creationId xmlns:a16="http://schemas.microsoft.com/office/drawing/2014/main" id="{C4ED8CAA-FCF8-ED12-C651-85562ECB17CC}"/>
+          <p:cNvPr id="5" name="Content Placeholder 4" descr="A screenshot of a computer&#10;&#10;AI-generated content may be incorrect.">
+            <a:extLst>
+              <a:ext uri="{FF2B5EF4-FFF2-40B4-BE49-F238E27FC236}">
+                <a16:creationId xmlns:a16="http://schemas.microsoft.com/office/drawing/2014/main" id="{0329BEAC-E912-DB03-3802-3B0EA47C41D8}"/>
               </a:ext>
             </a:extLst>
           </p:cNvPr>
@@ -3927,8 +4051,8 @@
         </p:blipFill>
         <p:spPr>
           <a:xfrm>
-            <a:off x="496332" y="1537791"/>
-            <a:ext cx="11199335" cy="3782417"/>
+            <a:off x="204215" y="1158240"/>
+            <a:ext cx="10848715" cy="4846352"/>
           </a:xfrm>
         </p:spPr>
       </p:pic>
@@ -3985,7 +4109,11 @@
           <a:p>
             <a:r>
               <a:rPr lang="en-KR" dirty="0"/>
-              <a:t>Tables</a:t>
+              <a:t>S</a:t>
+            </a:r>
+            <a:r>
+              <a:rPr lang="en-US" dirty="0"/>
+              <a:t>eats</a:t>
             </a:r>
             <a:r>
               <a:rPr lang="ko-KR" altLang="en-US" dirty="0"/>
@@ -4021,7 +4149,7 @@
             </a:pPr>
             <a:r>
               <a:rPr lang="en-US" dirty="0"/>
-              <a:t>create table tables(</a:t>
+              <a:t>create table seats(</a:t>
             </a:r>
           </a:p>
           <a:p>
@@ -4034,7 +4162,7 @@
             </a:r>
             <a:r>
               <a:rPr lang="en-US" dirty="0"/>
-              <a:t> number primary key,</a:t>
+              <a:t> number primary key, </a:t>
             </a:r>
           </a:p>
           <a:p>
@@ -4043,20 +4171,11 @@
             </a:pPr>
             <a:r>
               <a:rPr lang="en-US" dirty="0" err="1"/>
-              <a:t>table_number</a:t>
+              <a:t>customer_seats</a:t>
             </a:r>
             <a:r>
               <a:rPr lang="en-US" dirty="0"/>
               <a:t> number,</a:t>
-            </a:r>
-          </a:p>
-          <a:p>
-            <a:pPr marL="0" indent="0">
-              <a:buNone/>
-            </a:pPr>
-            <a:r>
-              <a:rPr lang="en-US" dirty="0"/>
-              <a:t>seats number,</a:t>
             </a:r>
           </a:p>
           <a:p>
@@ -4337,7 +4456,7 @@
             </a:r>
             <a:r>
               <a:rPr lang="en-US" dirty="0"/>
-              <a:t>) references tables(</a:t>
+              <a:t>) references seats(</a:t>
             </a:r>
             <a:r>
               <a:rPr lang="en-US" dirty="0" err="1"/>

--- a/ppt/Oracle DB Project.pptx
+++ b/ppt/Oracle DB Project.pptx
@@ -15946,10 +15946,10 @@
       </p:grpSpPr>
       <p:pic>
         <p:nvPicPr>
-          <p:cNvPr id="5" name="Content Placeholder 4" descr="A screenshot of a computer&#10;&#10;AI-generated content may be incorrect.">
+          <p:cNvPr id="6" name="Content Placeholder 5" descr="A screenshot of a computer&#10;&#10;AI-generated content may be incorrect.">
             <a:extLst>
               <a:ext uri="{FF2B5EF4-FFF2-40B4-BE49-F238E27FC236}">
-                <a16:creationId xmlns:a16="http://schemas.microsoft.com/office/drawing/2014/main" id="{0329BEAC-E912-DB03-3802-3B0EA47C41D8}"/>
+                <a16:creationId xmlns:a16="http://schemas.microsoft.com/office/drawing/2014/main" id="{644B1845-3C10-326F-2833-796E65D23BFC}"/>
               </a:ext>
             </a:extLst>
           </p:cNvPr>
@@ -15968,8 +15968,8 @@
         </p:blipFill>
         <p:spPr>
           <a:xfrm>
-            <a:off x="204215" y="1158240"/>
-            <a:ext cx="10848715" cy="4846352"/>
+            <a:off x="537141" y="1338998"/>
+            <a:ext cx="9528759" cy="4180004"/>
           </a:xfrm>
         </p:spPr>
       </p:pic>

--- a/ppt/Oracle DB Project.pptx
+++ b/ppt/Oracle DB Project.pptx
@@ -299,7 +299,7 @@
           <a:p>
             <a:fld id="{C6399887-3604-1344-8A57-1ABB2D455AFB}" type="datetimeFigureOut">
               <a:rPr lang="en-KR" smtClean="0"/>
-              <a:t>2/26/25</a:t>
+              <a:t>2/27/25</a:t>
             </a:fld>
             <a:endParaRPr lang="en-KR"/>
           </a:p>
@@ -499,7 +499,7 @@
           <a:p>
             <a:fld id="{C6399887-3604-1344-8A57-1ABB2D455AFB}" type="datetimeFigureOut">
               <a:rPr lang="en-KR" smtClean="0"/>
-              <a:t>2/26/25</a:t>
+              <a:t>2/27/25</a:t>
             </a:fld>
             <a:endParaRPr lang="en-KR"/>
           </a:p>
@@ -709,7 +709,7 @@
           <a:p>
             <a:fld id="{C6399887-3604-1344-8A57-1ABB2D455AFB}" type="datetimeFigureOut">
               <a:rPr lang="en-KR" smtClean="0"/>
-              <a:t>2/26/25</a:t>
+              <a:t>2/27/25</a:t>
             </a:fld>
             <a:endParaRPr lang="en-KR"/>
           </a:p>
@@ -909,7 +909,7 @@
           <a:p>
             <a:fld id="{C6399887-3604-1344-8A57-1ABB2D455AFB}" type="datetimeFigureOut">
               <a:rPr lang="en-KR" smtClean="0"/>
-              <a:t>2/26/25</a:t>
+              <a:t>2/27/25</a:t>
             </a:fld>
             <a:endParaRPr lang="en-KR"/>
           </a:p>
@@ -1185,7 +1185,7 @@
           <a:p>
             <a:fld id="{C6399887-3604-1344-8A57-1ABB2D455AFB}" type="datetimeFigureOut">
               <a:rPr lang="en-KR" smtClean="0"/>
-              <a:t>2/26/25</a:t>
+              <a:t>2/27/25</a:t>
             </a:fld>
             <a:endParaRPr lang="en-KR"/>
           </a:p>
@@ -1453,7 +1453,7 @@
           <a:p>
             <a:fld id="{C6399887-3604-1344-8A57-1ABB2D455AFB}" type="datetimeFigureOut">
               <a:rPr lang="en-KR" smtClean="0"/>
-              <a:t>2/26/25</a:t>
+              <a:t>2/27/25</a:t>
             </a:fld>
             <a:endParaRPr lang="en-KR"/>
           </a:p>
@@ -1868,7 +1868,7 @@
           <a:p>
             <a:fld id="{C6399887-3604-1344-8A57-1ABB2D455AFB}" type="datetimeFigureOut">
               <a:rPr lang="en-KR" smtClean="0"/>
-              <a:t>2/26/25</a:t>
+              <a:t>2/27/25</a:t>
             </a:fld>
             <a:endParaRPr lang="en-KR"/>
           </a:p>
@@ -2010,7 +2010,7 @@
           <a:p>
             <a:fld id="{C6399887-3604-1344-8A57-1ABB2D455AFB}" type="datetimeFigureOut">
               <a:rPr lang="en-KR" smtClean="0"/>
-              <a:t>2/26/25</a:t>
+              <a:t>2/27/25</a:t>
             </a:fld>
             <a:endParaRPr lang="en-KR"/>
           </a:p>
@@ -2123,7 +2123,7 @@
           <a:p>
             <a:fld id="{C6399887-3604-1344-8A57-1ABB2D455AFB}" type="datetimeFigureOut">
               <a:rPr lang="en-KR" smtClean="0"/>
-              <a:t>2/26/25</a:t>
+              <a:t>2/27/25</a:t>
             </a:fld>
             <a:endParaRPr lang="en-KR"/>
           </a:p>
@@ -2436,7 +2436,7 @@
           <a:p>
             <a:fld id="{C6399887-3604-1344-8A57-1ABB2D455AFB}" type="datetimeFigureOut">
               <a:rPr lang="en-KR" smtClean="0"/>
-              <a:t>2/26/25</a:t>
+              <a:t>2/27/25</a:t>
             </a:fld>
             <a:endParaRPr lang="en-KR"/>
           </a:p>
@@ -2725,7 +2725,7 @@
           <a:p>
             <a:fld id="{C6399887-3604-1344-8A57-1ABB2D455AFB}" type="datetimeFigureOut">
               <a:rPr lang="en-KR" smtClean="0"/>
-              <a:t>2/26/25</a:t>
+              <a:t>2/27/25</a:t>
             </a:fld>
             <a:endParaRPr lang="en-KR"/>
           </a:p>
@@ -2968,7 +2968,7 @@
           <a:p>
             <a:fld id="{C6399887-3604-1344-8A57-1ABB2D455AFB}" type="datetimeFigureOut">
               <a:rPr lang="en-KR" smtClean="0"/>
-              <a:t>2/26/25</a:t>
+              <a:t>2/27/25</a:t>
             </a:fld>
             <a:endParaRPr lang="en-KR"/>
           </a:p>
@@ -12172,10 +12172,10 @@
       </p:sp>
       <p:pic>
         <p:nvPicPr>
-          <p:cNvPr id="8" name="Content Placeholder 7" descr="A screenshot of a web browser&#10;&#10;AI-generated content may be incorrect.">
+          <p:cNvPr id="7" name="Content Placeholder 6" descr="A screenshot of a web browser&#10;&#10;AI-generated content may be incorrect.">
             <a:extLst>
               <a:ext uri="{FF2B5EF4-FFF2-40B4-BE49-F238E27FC236}">
-                <a16:creationId xmlns:a16="http://schemas.microsoft.com/office/drawing/2014/main" id="{AA3C7279-C367-43BF-5C80-D8F49EC0417D}"/>
+                <a16:creationId xmlns:a16="http://schemas.microsoft.com/office/drawing/2014/main" id="{DF5B8EAC-E480-EA54-F8DF-83D8A792B555}"/>
               </a:ext>
             </a:extLst>
           </p:cNvPr>
@@ -12194,8 +12194,8 @@
         </p:blipFill>
         <p:spPr>
           <a:xfrm>
-            <a:off x="838200" y="2404113"/>
-            <a:ext cx="10515600" cy="3194361"/>
+            <a:off x="838200" y="2404796"/>
+            <a:ext cx="10515600" cy="3192995"/>
           </a:xfrm>
         </p:spPr>
       </p:pic>

--- a/ppt/Oracle DB Project.pptx
+++ b/ppt/Oracle DB Project.pptx
@@ -303,7 +303,7 @@
           <a:p>
             <a:fld id="{C6399887-3604-1344-8A57-1ABB2D455AFB}" type="datetimeFigureOut">
               <a:rPr lang="en-KR" smtClean="0"/>
-              <a:t>2/27/25</a:t>
+              <a:t>2/28/25</a:t>
             </a:fld>
             <a:endParaRPr lang="en-KR"/>
           </a:p>
@@ -503,7 +503,7 @@
           <a:p>
             <a:fld id="{C6399887-3604-1344-8A57-1ABB2D455AFB}" type="datetimeFigureOut">
               <a:rPr lang="en-KR" smtClean="0"/>
-              <a:t>2/27/25</a:t>
+              <a:t>2/28/25</a:t>
             </a:fld>
             <a:endParaRPr lang="en-KR"/>
           </a:p>
@@ -713,7 +713,7 @@
           <a:p>
             <a:fld id="{C6399887-3604-1344-8A57-1ABB2D455AFB}" type="datetimeFigureOut">
               <a:rPr lang="en-KR" smtClean="0"/>
-              <a:t>2/27/25</a:t>
+              <a:t>2/28/25</a:t>
             </a:fld>
             <a:endParaRPr lang="en-KR"/>
           </a:p>
@@ -913,7 +913,7 @@
           <a:p>
             <a:fld id="{C6399887-3604-1344-8A57-1ABB2D455AFB}" type="datetimeFigureOut">
               <a:rPr lang="en-KR" smtClean="0"/>
-              <a:t>2/27/25</a:t>
+              <a:t>2/28/25</a:t>
             </a:fld>
             <a:endParaRPr lang="en-KR"/>
           </a:p>
@@ -1189,7 +1189,7 @@
           <a:p>
             <a:fld id="{C6399887-3604-1344-8A57-1ABB2D455AFB}" type="datetimeFigureOut">
               <a:rPr lang="en-KR" smtClean="0"/>
-              <a:t>2/27/25</a:t>
+              <a:t>2/28/25</a:t>
             </a:fld>
             <a:endParaRPr lang="en-KR"/>
           </a:p>
@@ -1457,7 +1457,7 @@
           <a:p>
             <a:fld id="{C6399887-3604-1344-8A57-1ABB2D455AFB}" type="datetimeFigureOut">
               <a:rPr lang="en-KR" smtClean="0"/>
-              <a:t>2/27/25</a:t>
+              <a:t>2/28/25</a:t>
             </a:fld>
             <a:endParaRPr lang="en-KR"/>
           </a:p>
@@ -1872,7 +1872,7 @@
           <a:p>
             <a:fld id="{C6399887-3604-1344-8A57-1ABB2D455AFB}" type="datetimeFigureOut">
               <a:rPr lang="en-KR" smtClean="0"/>
-              <a:t>2/27/25</a:t>
+              <a:t>2/28/25</a:t>
             </a:fld>
             <a:endParaRPr lang="en-KR"/>
           </a:p>
@@ -2014,7 +2014,7 @@
           <a:p>
             <a:fld id="{C6399887-3604-1344-8A57-1ABB2D455AFB}" type="datetimeFigureOut">
               <a:rPr lang="en-KR" smtClean="0"/>
-              <a:t>2/27/25</a:t>
+              <a:t>2/28/25</a:t>
             </a:fld>
             <a:endParaRPr lang="en-KR"/>
           </a:p>
@@ -2127,7 +2127,7 @@
           <a:p>
             <a:fld id="{C6399887-3604-1344-8A57-1ABB2D455AFB}" type="datetimeFigureOut">
               <a:rPr lang="en-KR" smtClean="0"/>
-              <a:t>2/27/25</a:t>
+              <a:t>2/28/25</a:t>
             </a:fld>
             <a:endParaRPr lang="en-KR"/>
           </a:p>
@@ -2440,7 +2440,7 @@
           <a:p>
             <a:fld id="{C6399887-3604-1344-8A57-1ABB2D455AFB}" type="datetimeFigureOut">
               <a:rPr lang="en-KR" smtClean="0"/>
-              <a:t>2/27/25</a:t>
+              <a:t>2/28/25</a:t>
             </a:fld>
             <a:endParaRPr lang="en-KR"/>
           </a:p>
@@ -2729,7 +2729,7 @@
           <a:p>
             <a:fld id="{C6399887-3604-1344-8A57-1ABB2D455AFB}" type="datetimeFigureOut">
               <a:rPr lang="en-KR" smtClean="0"/>
-              <a:t>2/27/25</a:t>
+              <a:t>2/28/25</a:t>
             </a:fld>
             <a:endParaRPr lang="en-KR"/>
           </a:p>
@@ -2972,7 +2972,7 @@
           <a:p>
             <a:fld id="{C6399887-3604-1344-8A57-1ABB2D455AFB}" type="datetimeFigureOut">
               <a:rPr lang="en-KR" smtClean="0"/>
-              <a:t>2/27/25</a:t>
+              <a:t>2/28/25</a:t>
             </a:fld>
             <a:endParaRPr lang="en-KR"/>
           </a:p>
@@ -18705,10 +18705,10 @@
       </p:grpSpPr>
       <p:pic>
         <p:nvPicPr>
-          <p:cNvPr id="7" name="Content Placeholder 6" descr="A screenshot of a computer&#10;&#10;AI-generated content may be incorrect.">
+          <p:cNvPr id="5" name="Content Placeholder 4" descr="A screenshot of a computer&#10;&#10;AI-generated content may be incorrect.">
             <a:extLst>
               <a:ext uri="{FF2B5EF4-FFF2-40B4-BE49-F238E27FC236}">
-                <a16:creationId xmlns:a16="http://schemas.microsoft.com/office/drawing/2014/main" id="{50003A5D-5BF9-5E74-4979-EC84B122558C}"/>
+                <a16:creationId xmlns:a16="http://schemas.microsoft.com/office/drawing/2014/main" id="{86FA461C-42EB-AEF0-A4E5-5AC16DCAF839}"/>
               </a:ext>
             </a:extLst>
           </p:cNvPr>
@@ -18727,8 +18727,8 @@
         </p:blipFill>
         <p:spPr>
           <a:xfrm>
-            <a:off x="601313" y="1380133"/>
-            <a:ext cx="10989374" cy="4097733"/>
+            <a:off x="2701703" y="1229344"/>
+            <a:ext cx="6788593" cy="4399312"/>
           </a:xfrm>
         </p:spPr>
       </p:pic>
@@ -20416,7 +20416,12 @@
             <p:ph type="title"/>
           </p:nvPr>
         </p:nvSpPr>
-        <p:spPr/>
+        <p:spPr>
+          <a:xfrm>
+            <a:off x="2496066" y="365125"/>
+            <a:ext cx="8857734" cy="1325563"/>
+          </a:xfrm>
+        </p:spPr>
         <p:txBody>
           <a:bodyPr/>
           <a:lstStyle/>
@@ -20449,7 +20454,12 @@
             <p:ph idx="1"/>
           </p:nvPr>
         </p:nvSpPr>
-        <p:spPr/>
+        <p:spPr>
+          <a:xfrm>
+            <a:off x="3138616" y="1825625"/>
+            <a:ext cx="8215184" cy="4351338"/>
+          </a:xfrm>
+        </p:spPr>
         <p:txBody>
           <a:bodyPr/>
           <a:lstStyle/>
@@ -20563,10 +20573,10 @@
       </p:grpSpPr>
       <p:pic>
         <p:nvPicPr>
-          <p:cNvPr id="6" name="Content Placeholder 5" descr="A screenshot of a computer&#10;&#10;AI-generated content may be incorrect.">
+          <p:cNvPr id="5" name="Content Placeholder 4" descr="A screenshot of a computer&#10;&#10;AI-generated content may be incorrect.">
             <a:extLst>
               <a:ext uri="{FF2B5EF4-FFF2-40B4-BE49-F238E27FC236}">
-                <a16:creationId xmlns:a16="http://schemas.microsoft.com/office/drawing/2014/main" id="{644B1845-3C10-326F-2833-796E65D23BFC}"/>
+                <a16:creationId xmlns:a16="http://schemas.microsoft.com/office/drawing/2014/main" id="{36CAFCAF-852B-7A64-581A-C5400B0828E3}"/>
               </a:ext>
             </a:extLst>
           </p:cNvPr>
@@ -20585,8 +20595,8 @@
         </p:blipFill>
         <p:spPr>
           <a:xfrm>
-            <a:off x="693552" y="1338998"/>
-            <a:ext cx="9528759" cy="4180004"/>
+            <a:off x="2418106" y="1788235"/>
+            <a:ext cx="7355787" cy="3281529"/>
           </a:xfrm>
         </p:spPr>
       </p:pic>
@@ -20636,7 +20646,12 @@
             <p:ph type="title"/>
           </p:nvPr>
         </p:nvSpPr>
-        <p:spPr/>
+        <p:spPr>
+          <a:xfrm>
+            <a:off x="3089188" y="365125"/>
+            <a:ext cx="8264611" cy="1325563"/>
+          </a:xfrm>
+        </p:spPr>
         <p:txBody>
           <a:bodyPr/>
           <a:lstStyle/>
@@ -20673,7 +20688,12 @@
             <p:ph idx="1"/>
           </p:nvPr>
         </p:nvSpPr>
-        <p:spPr/>
+        <p:spPr>
+          <a:xfrm>
+            <a:off x="3200400" y="1825625"/>
+            <a:ext cx="8153400" cy="4351338"/>
+          </a:xfrm>
+        </p:spPr>
         <p:txBody>
           <a:bodyPr/>
           <a:lstStyle/>
@@ -20765,10 +20785,10 @@
       </p:grpSpPr>
       <p:pic>
         <p:nvPicPr>
-          <p:cNvPr id="5" name="Content Placeholder 4" descr="A screenshot of a computer&#10;&#10;AI-generated content may be incorrect.">
+          <p:cNvPr id="6" name="Content Placeholder 5" descr="A screenshot of a computer&#10;&#10;AI-generated content may be incorrect.">
             <a:extLst>
               <a:ext uri="{FF2B5EF4-FFF2-40B4-BE49-F238E27FC236}">
-                <a16:creationId xmlns:a16="http://schemas.microsoft.com/office/drawing/2014/main" id="{9187C971-2760-2ACC-4D93-315FC03EEA6E}"/>
+                <a16:creationId xmlns:a16="http://schemas.microsoft.com/office/drawing/2014/main" id="{3954B6B3-CE96-A55C-A3A8-E4B3BE6F9389}"/>
               </a:ext>
             </a:extLst>
           </p:cNvPr>
@@ -20787,8 +20807,8 @@
         </p:blipFill>
         <p:spPr>
           <a:xfrm>
-            <a:off x="853954" y="1385490"/>
-            <a:ext cx="10484092" cy="4087019"/>
+            <a:off x="2718981" y="1291419"/>
+            <a:ext cx="6754037" cy="4275162"/>
           </a:xfrm>
         </p:spPr>
       </p:pic>
@@ -20838,7 +20858,12 @@
             <p:ph type="title"/>
           </p:nvPr>
         </p:nvSpPr>
-        <p:spPr/>
+        <p:spPr>
+          <a:xfrm>
+            <a:off x="2211858" y="365125"/>
+            <a:ext cx="9141941" cy="1325563"/>
+          </a:xfrm>
+        </p:spPr>
         <p:txBody>
           <a:bodyPr/>
           <a:lstStyle/>
@@ -20871,7 +20896,12 @@
             <p:ph idx="1"/>
           </p:nvPr>
         </p:nvSpPr>
-        <p:spPr/>
+        <p:spPr>
+          <a:xfrm>
+            <a:off x="1359242" y="1825625"/>
+            <a:ext cx="9994557" cy="4351338"/>
+          </a:xfrm>
+        </p:spPr>
         <p:txBody>
           <a:bodyPr>
             <a:normAutofit lnSpcReduction="10000"/>

--- a/ppt/Oracle DB Project.pptx
+++ b/ppt/Oracle DB Project.pptx
@@ -13053,10 +13053,10 @@
       </p:sp>
       <p:pic>
         <p:nvPicPr>
-          <p:cNvPr id="7" name="Content Placeholder 6" descr="A screenshot of a web browser&#10;&#10;AI-generated content may be incorrect.">
+          <p:cNvPr id="6" name="Content Placeholder 5" descr="A group of white boxes with text&#10;&#10;AI-generated content may be incorrect.">
             <a:extLst>
               <a:ext uri="{FF2B5EF4-FFF2-40B4-BE49-F238E27FC236}">
-                <a16:creationId xmlns:a16="http://schemas.microsoft.com/office/drawing/2014/main" id="{DF5B8EAC-E480-EA54-F8DF-83D8A792B555}"/>
+                <a16:creationId xmlns:a16="http://schemas.microsoft.com/office/drawing/2014/main" id="{D734E91E-FA94-A0F4-82B3-FACAD1463C7B}"/>
               </a:ext>
             </a:extLst>
           </p:cNvPr>
@@ -13075,8 +13075,8 @@
         </p:blipFill>
         <p:spPr>
           <a:xfrm>
-            <a:off x="838200" y="2404796"/>
-            <a:ext cx="10515600" cy="3192995"/>
+            <a:off x="838200" y="1994186"/>
+            <a:ext cx="10515600" cy="4014216"/>
           </a:xfrm>
         </p:spPr>
       </p:pic>

--- a/ppt/Oracle DB Project.pptx
+++ b/ppt/Oracle DB Project.pptx
@@ -3447,6 +3447,38 @@
           </a:p>
         </p:txBody>
       </p:sp>
+      <p:sp>
+        <p:nvSpPr>
+          <p:cNvPr id="4" name="TextBox 3">
+            <a:extLst>
+              <a:ext uri="{FF2B5EF4-FFF2-40B4-BE49-F238E27FC236}">
+                <a16:creationId xmlns:a16="http://schemas.microsoft.com/office/drawing/2014/main" id="{98200770-8AEF-DA71-B605-07375017A17C}"/>
+              </a:ext>
+            </a:extLst>
+          </p:cNvPr>
+          <p:cNvSpPr txBox="1"/>
+          <p:nvPr/>
+        </p:nvSpPr>
+        <p:spPr>
+          <a:xfrm>
+            <a:off x="7145383" y="3879669"/>
+            <a:ext cx="184731" cy="369332"/>
+          </a:xfrm>
+          <a:prstGeom prst="rect">
+            <a:avLst/>
+          </a:prstGeom>
+          <a:noFill/>
+        </p:spPr>
+        <p:txBody>
+          <a:bodyPr wrap="none" rtlCol="0">
+            <a:spAutoFit/>
+          </a:bodyPr>
+          <a:lstStyle/>
+          <a:p>
+            <a:endParaRPr lang="en-KR" dirty="0"/>
+          </a:p>
+        </p:txBody>
+      </p:sp>
     </p:spTree>
     <p:extLst>
       <p:ext uri="{BB962C8B-B14F-4D97-AF65-F5344CB8AC3E}">
@@ -9638,10 +9670,19 @@
                 <a:solidFill>
                   <a:srgbClr val="000000"/>
                 </a:solidFill>
-                <a:effectLst/>
-                <a:latin typeface="Menlo" panose="020B0609030804020204" pitchFamily="49" charset="0"/>
-              </a:rPr>
-              <a:t>생일을 입력하세요</a:t>
+                <a:latin typeface="Menlo" panose="020B0609030804020204" pitchFamily="49" charset="0"/>
+              </a:rPr>
+              <a:t>시간</a:t>
+            </a:r>
+            <a:r>
+              <a:rPr lang="ko-KR" altLang="en-US" sz="1800" dirty="0">
+                <a:solidFill>
+                  <a:srgbClr val="000000"/>
+                </a:solidFill>
+                <a:effectLst/>
+                <a:latin typeface="Menlo" panose="020B0609030804020204" pitchFamily="49" charset="0"/>
+              </a:rPr>
+              <a:t>을 입력하세요</a:t>
             </a:r>
             <a:r>
               <a:rPr lang="en-US" altLang="ko-KR" sz="1800" dirty="0">

--- a/ppt/Oracle DB Project.pptx
+++ b/ppt/Oracle DB Project.pptx
@@ -4320,7 +4320,7 @@
                 <a:effectLst/>
                 <a:latin typeface="Menlo" panose="020B0609030804020204" pitchFamily="49" charset="0"/>
               </a:rPr>
-              <a:t>이름을 입력하세요</a:t>
+              <a:t>문자열을 입력하세요</a:t>
             </a:r>
             <a:r>
               <a:rPr lang="en-US" altLang="ko-KR" sz="1800" dirty="0">
@@ -4387,7 +4387,7 @@
                 <a:effectLst/>
                 <a:latin typeface="Menlo" panose="020B0609030804020204" pitchFamily="49" charset="0"/>
               </a:rPr>
-              <a:t>이름을 입력하세요</a:t>
+              <a:t>문자열을 입력하세요</a:t>
             </a:r>
             <a:r>
               <a:rPr lang="en-US" altLang="ko-KR" sz="1800" dirty="0">
@@ -4444,7 +4444,7 @@
                 <a:effectLst/>
                 <a:latin typeface="Menlo" panose="020B0609030804020204" pitchFamily="49" charset="0"/>
               </a:rPr>
-              <a:t>이름을 입력하세요</a:t>
+              <a:t>문자열을 입력하세요</a:t>
             </a:r>
             <a:r>
               <a:rPr lang="en-US" altLang="ko-KR" sz="1800" dirty="0">
@@ -4501,7 +4501,7 @@
                 <a:effectLst/>
                 <a:latin typeface="Menlo" panose="020B0609030804020204" pitchFamily="49" charset="0"/>
               </a:rPr>
-              <a:t>이름을 입력하세요</a:t>
+              <a:t>문자열을 입력하세요</a:t>
             </a:r>
             <a:r>
               <a:rPr lang="en-US" altLang="ko-KR" sz="1800" dirty="0">
@@ -5405,7 +5405,7 @@
                 <a:effectLst/>
                 <a:latin typeface="Menlo" panose="020B0609030804020204" pitchFamily="49" charset="0"/>
               </a:rPr>
-              <a:t>이름을 입력하세요</a:t>
+              <a:t>문자열을 입력하세요</a:t>
             </a:r>
             <a:r>
               <a:rPr lang="en-US" altLang="ko-KR" sz="1800" dirty="0">
@@ -5472,7 +5472,7 @@
                 <a:effectLst/>
                 <a:latin typeface="Menlo" panose="020B0609030804020204" pitchFamily="49" charset="0"/>
               </a:rPr>
-              <a:t>이름을 입력하세요</a:t>
+              <a:t>문자열을 입력하세요</a:t>
             </a:r>
             <a:r>
               <a:rPr lang="en-US" altLang="ko-KR" sz="1800" dirty="0">
@@ -5529,7 +5529,7 @@
                 <a:effectLst/>
                 <a:latin typeface="Menlo" panose="020B0609030804020204" pitchFamily="49" charset="0"/>
               </a:rPr>
-              <a:t>이름을 입력하세요</a:t>
+              <a:t>문자열을 입력하세요</a:t>
             </a:r>
             <a:r>
               <a:rPr lang="en-US" altLang="ko-KR" sz="1800" dirty="0">
@@ -5586,7 +5586,7 @@
                 <a:effectLst/>
                 <a:latin typeface="Menlo" panose="020B0609030804020204" pitchFamily="49" charset="0"/>
               </a:rPr>
-              <a:t>이름을 입력하세요</a:t>
+              <a:t>문자열을 입력하세요</a:t>
             </a:r>
             <a:r>
               <a:rPr lang="en-US" altLang="ko-KR" sz="1800" dirty="0">
@@ -6459,7 +6459,7 @@
                 <a:effectLst/>
                 <a:latin typeface="Menlo" panose="020B0609030804020204" pitchFamily="49" charset="0"/>
               </a:rPr>
-              <a:t>이름을 입력하세요</a:t>
+              <a:t>문자열을 입력하세요</a:t>
             </a:r>
             <a:r>
               <a:rPr lang="en-US" altLang="ko-KR" sz="1800" dirty="0">
@@ -7386,7 +7386,7 @@
                 <a:effectLst/>
                 <a:latin typeface="Menlo" panose="020B0609030804020204" pitchFamily="49" charset="0"/>
               </a:rPr>
-              <a:t>이름을 입력하세요</a:t>
+              <a:t>문자열을 입력하세요</a:t>
             </a:r>
             <a:r>
               <a:rPr lang="en-US" altLang="ko-KR" sz="1800" dirty="0">

--- a/ppt/Oracle DB Project.pptx
+++ b/ppt/Oracle DB Project.pptx
@@ -303,7 +303,7 @@
           <a:p>
             <a:fld id="{C6399887-3604-1344-8A57-1ABB2D455AFB}" type="datetimeFigureOut">
               <a:rPr lang="en-KR" smtClean="0"/>
-              <a:t>2/28/25</a:t>
+              <a:t>3/6/25</a:t>
             </a:fld>
             <a:endParaRPr lang="en-KR"/>
           </a:p>
@@ -503,7 +503,7 @@
           <a:p>
             <a:fld id="{C6399887-3604-1344-8A57-1ABB2D455AFB}" type="datetimeFigureOut">
               <a:rPr lang="en-KR" smtClean="0"/>
-              <a:t>2/28/25</a:t>
+              <a:t>3/6/25</a:t>
             </a:fld>
             <a:endParaRPr lang="en-KR"/>
           </a:p>
@@ -713,7 +713,7 @@
           <a:p>
             <a:fld id="{C6399887-3604-1344-8A57-1ABB2D455AFB}" type="datetimeFigureOut">
               <a:rPr lang="en-KR" smtClean="0"/>
-              <a:t>2/28/25</a:t>
+              <a:t>3/6/25</a:t>
             </a:fld>
             <a:endParaRPr lang="en-KR"/>
           </a:p>
@@ -913,7 +913,7 @@
           <a:p>
             <a:fld id="{C6399887-3604-1344-8A57-1ABB2D455AFB}" type="datetimeFigureOut">
               <a:rPr lang="en-KR" smtClean="0"/>
-              <a:t>2/28/25</a:t>
+              <a:t>3/6/25</a:t>
             </a:fld>
             <a:endParaRPr lang="en-KR"/>
           </a:p>
@@ -1189,7 +1189,7 @@
           <a:p>
             <a:fld id="{C6399887-3604-1344-8A57-1ABB2D455AFB}" type="datetimeFigureOut">
               <a:rPr lang="en-KR" smtClean="0"/>
-              <a:t>2/28/25</a:t>
+              <a:t>3/6/25</a:t>
             </a:fld>
             <a:endParaRPr lang="en-KR"/>
           </a:p>
@@ -1457,7 +1457,7 @@
           <a:p>
             <a:fld id="{C6399887-3604-1344-8A57-1ABB2D455AFB}" type="datetimeFigureOut">
               <a:rPr lang="en-KR" smtClean="0"/>
-              <a:t>2/28/25</a:t>
+              <a:t>3/6/25</a:t>
             </a:fld>
             <a:endParaRPr lang="en-KR"/>
           </a:p>
@@ -1872,7 +1872,7 @@
           <a:p>
             <a:fld id="{C6399887-3604-1344-8A57-1ABB2D455AFB}" type="datetimeFigureOut">
               <a:rPr lang="en-KR" smtClean="0"/>
-              <a:t>2/28/25</a:t>
+              <a:t>3/6/25</a:t>
             </a:fld>
             <a:endParaRPr lang="en-KR"/>
           </a:p>
@@ -2014,7 +2014,7 @@
           <a:p>
             <a:fld id="{C6399887-3604-1344-8A57-1ABB2D455AFB}" type="datetimeFigureOut">
               <a:rPr lang="en-KR" smtClean="0"/>
-              <a:t>2/28/25</a:t>
+              <a:t>3/6/25</a:t>
             </a:fld>
             <a:endParaRPr lang="en-KR"/>
           </a:p>
@@ -2127,7 +2127,7 @@
           <a:p>
             <a:fld id="{C6399887-3604-1344-8A57-1ABB2D455AFB}" type="datetimeFigureOut">
               <a:rPr lang="en-KR" smtClean="0"/>
-              <a:t>2/28/25</a:t>
+              <a:t>3/6/25</a:t>
             </a:fld>
             <a:endParaRPr lang="en-KR"/>
           </a:p>
@@ -2440,7 +2440,7 @@
           <a:p>
             <a:fld id="{C6399887-3604-1344-8A57-1ABB2D455AFB}" type="datetimeFigureOut">
               <a:rPr lang="en-KR" smtClean="0"/>
-              <a:t>2/28/25</a:t>
+              <a:t>3/6/25</a:t>
             </a:fld>
             <a:endParaRPr lang="en-KR"/>
           </a:p>
@@ -2729,7 +2729,7 @@
           <a:p>
             <a:fld id="{C6399887-3604-1344-8A57-1ABB2D455AFB}" type="datetimeFigureOut">
               <a:rPr lang="en-KR" smtClean="0"/>
-              <a:t>2/28/25</a:t>
+              <a:t>3/6/25</a:t>
             </a:fld>
             <a:endParaRPr lang="en-KR"/>
           </a:p>
@@ -2972,7 +2972,7 @@
           <a:p>
             <a:fld id="{C6399887-3604-1344-8A57-1ABB2D455AFB}" type="datetimeFigureOut">
               <a:rPr lang="en-KR" smtClean="0"/>
-              <a:t>2/28/25</a:t>
+              <a:t>3/6/25</a:t>
             </a:fld>
             <a:endParaRPr lang="en-KR"/>
           </a:p>
@@ -13094,10 +13094,10 @@
       </p:sp>
       <p:pic>
         <p:nvPicPr>
-          <p:cNvPr id="6" name="Content Placeholder 5" descr="A group of white boxes with text&#10;&#10;AI-generated content may be incorrect.">
+          <p:cNvPr id="7" name="Content Placeholder 6" descr="A screenshot of a web browser&#10;&#10;AI-generated content may be incorrect.">
             <a:extLst>
               <a:ext uri="{FF2B5EF4-FFF2-40B4-BE49-F238E27FC236}">
-                <a16:creationId xmlns:a16="http://schemas.microsoft.com/office/drawing/2014/main" id="{D734E91E-FA94-A0F4-82B3-FACAD1463C7B}"/>
+                <a16:creationId xmlns:a16="http://schemas.microsoft.com/office/drawing/2014/main" id="{08EEF3E5-AEB4-B7DE-E00F-588E121F4E20}"/>
               </a:ext>
             </a:extLst>
           </p:cNvPr>
@@ -13116,8 +13116,8 @@
         </p:blipFill>
         <p:spPr>
           <a:xfrm>
-            <a:off x="838200" y="1994186"/>
-            <a:ext cx="10515600" cy="4014216"/>
+            <a:off x="838200" y="2308783"/>
+            <a:ext cx="10515600" cy="3385021"/>
           </a:xfrm>
         </p:spPr>
       </p:pic>
